--- a/cs 579 final presentation.pptx
+++ b/cs 579 final presentation.pptx
@@ -7398,7 +7398,7 @@
         <p:spPr/>
         <p:txBody>
           <a:bodyPr>
-            <a:normAutofit/>
+            <a:normAutofit fontScale="90000"/>
           </a:bodyPr>
           <a:lstStyle/>
           <a:p>
@@ -7406,7 +7406,14 @@
               <a:rPr lang="en-US" sz="8000" dirty="0" smtClean="0"/>
               <a:t>Twitter Movie Reviews</a:t>
             </a:r>
-            <a:endParaRPr lang="en-US" sz="8000" dirty="0"/>
+            <a:br>
+              <a:rPr lang="en-US" sz="8000" dirty="0" smtClean="0"/>
+            </a:br>
+            <a:r>
+              <a:rPr lang="en-US" sz="3600" dirty="0" smtClean="0"/>
+              <a:t>Ryan Ellison,  Richard Hui</a:t>
+            </a:r>
+            <a:endParaRPr lang="en-US" sz="3600" dirty="0"/>
           </a:p>
         </p:txBody>
       </p:sp>
@@ -7447,6 +7454,13 @@
   <p:clrMapOvr>
     <a:masterClrMapping/>
   </p:clrMapOvr>
+  <p:timing>
+    <p:tnLst>
+      <p:par>
+        <p:cTn id="1" dur="indefinite" restart="never" nodeType="tmRoot"/>
+      </p:par>
+    </p:tnLst>
+  </p:timing>
 </p:sld>
 </file>
 
@@ -7506,6 +7520,13 @@
   <p:clrMapOvr>
     <a:masterClrMapping/>
   </p:clrMapOvr>
+  <p:timing>
+    <p:tnLst>
+      <p:par>
+        <p:cTn id="1" dur="indefinite" restart="never" nodeType="tmRoot"/>
+      </p:par>
+    </p:tnLst>
+  </p:timing>
 </p:sld>
 </file>
 
@@ -7626,6 +7647,13 @@
   <p:clrMapOvr>
     <a:masterClrMapping/>
   </p:clrMapOvr>
+  <p:timing>
+    <p:tnLst>
+      <p:par>
+        <p:cTn id="1" dur="indefinite" restart="never" nodeType="tmRoot"/>
+      </p:par>
+    </p:tnLst>
+  </p:timing>
 </p:sld>
 </file>
 
@@ -7769,6 +7797,13 @@
   <p:clrMapOvr>
     <a:masterClrMapping/>
   </p:clrMapOvr>
+  <p:timing>
+    <p:tnLst>
+      <p:par>
+        <p:cTn id="1" dur="indefinite" restart="never" nodeType="tmRoot"/>
+      </p:par>
+    </p:tnLst>
+  </p:timing>
 </p:sld>
 </file>
 
@@ -7924,6 +7959,13 @@
   <p:clrMapOvr>
     <a:masterClrMapping/>
   </p:clrMapOvr>
+  <p:timing>
+    <p:tnLst>
+      <p:par>
+        <p:cTn id="1" dur="indefinite" restart="never" nodeType="tmRoot"/>
+      </p:par>
+    </p:tnLst>
+  </p:timing>
 </p:sld>
 </file>
 
@@ -8039,6 +8081,13 @@
   <p:clrMapOvr>
     <a:masterClrMapping/>
   </p:clrMapOvr>
+  <p:timing>
+    <p:tnLst>
+      <p:par>
+        <p:cTn id="1" dur="indefinite" restart="never" nodeType="tmRoot"/>
+      </p:par>
+    </p:tnLst>
+  </p:timing>
 </p:sld>
 </file>
 
@@ -8117,6 +8166,13 @@
   <p:clrMapOvr>
     <a:masterClrMapping/>
   </p:clrMapOvr>
+  <p:timing>
+    <p:tnLst>
+      <p:par>
+        <p:cTn id="1" dur="indefinite" restart="never" nodeType="tmRoot"/>
+      </p:par>
+    </p:tnLst>
+  </p:timing>
 </p:sld>
 </file>
 
@@ -8252,6 +8308,13 @@
   <p:clrMapOvr>
     <a:masterClrMapping/>
   </p:clrMapOvr>
+  <p:timing>
+    <p:tnLst>
+      <p:par>
+        <p:cTn id="1" dur="indefinite" restart="never" nodeType="tmRoot"/>
+      </p:par>
+    </p:tnLst>
+  </p:timing>
 </p:sld>
 </file>
 
@@ -8335,6 +8398,13 @@
   <p:clrMapOvr>
     <a:masterClrMapping/>
   </p:clrMapOvr>
+  <p:timing>
+    <p:tnLst>
+      <p:par>
+        <p:cTn id="1" dur="indefinite" restart="never" nodeType="tmRoot"/>
+      </p:par>
+    </p:tnLst>
+  </p:timing>
 </p:sld>
 </file>
 
@@ -8481,6 +8551,13 @@
   <p:clrMapOvr>
     <a:masterClrMapping/>
   </p:clrMapOvr>
+  <p:timing>
+    <p:tnLst>
+      <p:par>
+        <p:cTn id="1" dur="indefinite" restart="never" nodeType="tmRoot"/>
+      </p:par>
+    </p:tnLst>
+  </p:timing>
 </p:sld>
 </file>
 
